--- a/Springboot Dev. related docs.-21'03.pptx
+++ b/Springboot Dev. related docs.-21'03.pptx
@@ -5,7 +5,7 @@
     <p:sldMasterId id="2147483648" r:id="rId1"/>
   </p:sldMasterIdLst>
   <p:notesMasterIdLst>
-    <p:notesMasterId r:id="rId18"/>
+    <p:notesMasterId r:id="rId19"/>
   </p:notesMasterIdLst>
   <p:sldIdLst>
     <p:sldId id="256" r:id="rId2"/>
@@ -24,6 +24,7 @@
     <p:sldId id="264" r:id="rId15"/>
     <p:sldId id="267" r:id="rId16"/>
     <p:sldId id="259" r:id="rId17"/>
+    <p:sldId id="272" r:id="rId18"/>
   </p:sldIdLst>
   <p:sldSz cx="12192000" cy="6858000"/>
   <p:notesSz cx="6858000" cy="9144000"/>
@@ -212,7 +213,7 @@
           <a:p>
             <a:fld id="{7C1BE5CF-A330-4B63-B0F3-D36089CA79D5}" type="datetimeFigureOut">
               <a:rPr lang="zh-TW" altLang="en-US" smtClean="0"/>
-              <a:t>2021/3/21</a:t>
+              <a:t>2021/4/3</a:t>
             </a:fld>
             <a:endParaRPr lang="zh-TW" altLang="en-US"/>
           </a:p>
@@ -1234,7 +1235,7 @@
           <a:p>
             <a:fld id="{3C4C62BC-F42C-4493-B07F-D14919909A7C}" type="datetimeFigureOut">
               <a:rPr lang="zh-TW" altLang="en-US" smtClean="0"/>
-              <a:t>2021/3/21</a:t>
+              <a:t>2021/4/3</a:t>
             </a:fld>
             <a:endParaRPr lang="zh-TW" altLang="en-US"/>
           </a:p>
@@ -1432,7 +1433,7 @@
           <a:p>
             <a:fld id="{3C4C62BC-F42C-4493-B07F-D14919909A7C}" type="datetimeFigureOut">
               <a:rPr lang="zh-TW" altLang="en-US" smtClean="0"/>
-              <a:t>2021/3/21</a:t>
+              <a:t>2021/4/3</a:t>
             </a:fld>
             <a:endParaRPr lang="zh-TW" altLang="en-US"/>
           </a:p>
@@ -1640,7 +1641,7 @@
           <a:p>
             <a:fld id="{3C4C62BC-F42C-4493-B07F-D14919909A7C}" type="datetimeFigureOut">
               <a:rPr lang="zh-TW" altLang="en-US" smtClean="0"/>
-              <a:t>2021/3/21</a:t>
+              <a:t>2021/4/3</a:t>
             </a:fld>
             <a:endParaRPr lang="zh-TW" altLang="en-US"/>
           </a:p>
@@ -1838,7 +1839,7 @@
           <a:p>
             <a:fld id="{3C4C62BC-F42C-4493-B07F-D14919909A7C}" type="datetimeFigureOut">
               <a:rPr lang="zh-TW" altLang="en-US" smtClean="0"/>
-              <a:t>2021/3/21</a:t>
+              <a:t>2021/4/3</a:t>
             </a:fld>
             <a:endParaRPr lang="zh-TW" altLang="en-US"/>
           </a:p>
@@ -2113,7 +2114,7 @@
           <a:p>
             <a:fld id="{3C4C62BC-F42C-4493-B07F-D14919909A7C}" type="datetimeFigureOut">
               <a:rPr lang="zh-TW" altLang="en-US" smtClean="0"/>
-              <a:t>2021/3/21</a:t>
+              <a:t>2021/4/3</a:t>
             </a:fld>
             <a:endParaRPr lang="zh-TW" altLang="en-US"/>
           </a:p>
@@ -2378,7 +2379,7 @@
           <a:p>
             <a:fld id="{3C4C62BC-F42C-4493-B07F-D14919909A7C}" type="datetimeFigureOut">
               <a:rPr lang="zh-TW" altLang="en-US" smtClean="0"/>
-              <a:t>2021/3/21</a:t>
+              <a:t>2021/4/3</a:t>
             </a:fld>
             <a:endParaRPr lang="zh-TW" altLang="en-US"/>
           </a:p>
@@ -2790,7 +2791,7 @@
           <a:p>
             <a:fld id="{3C4C62BC-F42C-4493-B07F-D14919909A7C}" type="datetimeFigureOut">
               <a:rPr lang="zh-TW" altLang="en-US" smtClean="0"/>
-              <a:t>2021/3/21</a:t>
+              <a:t>2021/4/3</a:t>
             </a:fld>
             <a:endParaRPr lang="zh-TW" altLang="en-US"/>
           </a:p>
@@ -2931,7 +2932,7 @@
           <a:p>
             <a:fld id="{3C4C62BC-F42C-4493-B07F-D14919909A7C}" type="datetimeFigureOut">
               <a:rPr lang="zh-TW" altLang="en-US" smtClean="0"/>
-              <a:t>2021/3/21</a:t>
+              <a:t>2021/4/3</a:t>
             </a:fld>
             <a:endParaRPr lang="zh-TW" altLang="en-US"/>
           </a:p>
@@ -3044,7 +3045,7 @@
           <a:p>
             <a:fld id="{3C4C62BC-F42C-4493-B07F-D14919909A7C}" type="datetimeFigureOut">
               <a:rPr lang="zh-TW" altLang="en-US" smtClean="0"/>
-              <a:t>2021/3/21</a:t>
+              <a:t>2021/4/3</a:t>
             </a:fld>
             <a:endParaRPr lang="zh-TW" altLang="en-US"/>
           </a:p>
@@ -3355,7 +3356,7 @@
           <a:p>
             <a:fld id="{3C4C62BC-F42C-4493-B07F-D14919909A7C}" type="datetimeFigureOut">
               <a:rPr lang="zh-TW" altLang="en-US" smtClean="0"/>
-              <a:t>2021/3/21</a:t>
+              <a:t>2021/4/3</a:t>
             </a:fld>
             <a:endParaRPr lang="zh-TW" altLang="en-US"/>
           </a:p>
@@ -3643,7 +3644,7 @@
           <a:p>
             <a:fld id="{3C4C62BC-F42C-4493-B07F-D14919909A7C}" type="datetimeFigureOut">
               <a:rPr lang="zh-TW" altLang="en-US" smtClean="0"/>
-              <a:t>2021/3/21</a:t>
+              <a:t>2021/4/3</a:t>
             </a:fld>
             <a:endParaRPr lang="zh-TW" altLang="en-US"/>
           </a:p>
@@ -3884,7 +3885,7 @@
           <a:p>
             <a:fld id="{3C4C62BC-F42C-4493-B07F-D14919909A7C}" type="datetimeFigureOut">
               <a:rPr lang="zh-TW" altLang="en-US" smtClean="0"/>
-              <a:t>2021/3/21</a:t>
+              <a:t>2021/4/3</a:t>
             </a:fld>
             <a:endParaRPr lang="zh-TW" altLang="en-US"/>
           </a:p>
@@ -11006,6 +11007,66 @@
     <p:extLst>
       <p:ext uri="{BB962C8B-B14F-4D97-AF65-F5344CB8AC3E}">
         <p14:creationId xmlns:p14="http://schemas.microsoft.com/office/powerpoint/2010/main" val="1887828188"/>
+      </p:ext>
+    </p:extLst>
+  </p:cSld>
+  <p:clrMapOvr>
+    <a:masterClrMapping/>
+  </p:clrMapOvr>
+</p:sld>
+</file>
+
+<file path=ppt/slides/slide17.xml><?xml version="1.0" encoding="utf-8"?>
+<p:sld xmlns:a="http://schemas.openxmlformats.org/drawingml/2006/main" xmlns:r="http://schemas.openxmlformats.org/officeDocument/2006/relationships" xmlns:p="http://schemas.openxmlformats.org/presentationml/2006/main">
+  <p:cSld>
+    <p:spTree>
+      <p:nvGrpSpPr>
+        <p:cNvPr id="1" name=""/>
+        <p:cNvGrpSpPr/>
+        <p:nvPr/>
+      </p:nvGrpSpPr>
+      <p:grpSpPr>
+        <a:xfrm>
+          <a:off x="0" y="0"/>
+          <a:ext cx="0" cy="0"/>
+          <a:chOff x="0" y="0"/>
+          <a:chExt cx="0" cy="0"/>
+        </a:xfrm>
+      </p:grpSpPr>
+      <p:pic>
+        <p:nvPicPr>
+          <p:cNvPr id="5" name="圖片 4">
+            <a:extLst>
+              <a:ext uri="{FF2B5EF4-FFF2-40B4-BE49-F238E27FC236}">
+                <a16:creationId xmlns:a16="http://schemas.microsoft.com/office/drawing/2014/main" id="{E31684BC-9149-479A-B310-22E5475B23F6}"/>
+              </a:ext>
+            </a:extLst>
+          </p:cNvPr>
+          <p:cNvPicPr>
+            <a:picLocks noChangeAspect="1"/>
+          </p:cNvPicPr>
+          <p:nvPr/>
+        </p:nvPicPr>
+        <p:blipFill>
+          <a:blip r:embed="rId2"/>
+          <a:stretch>
+            <a:fillRect/>
+          </a:stretch>
+        </p:blipFill>
+        <p:spPr>
+          <a:xfrm>
+            <a:off x="601999" y="0"/>
+            <a:ext cx="10988002" cy="6858000"/>
+          </a:xfrm>
+          <a:prstGeom prst="rect">
+            <a:avLst/>
+          </a:prstGeom>
+        </p:spPr>
+      </p:pic>
+    </p:spTree>
+    <p:extLst>
+      <p:ext uri="{BB962C8B-B14F-4D97-AF65-F5344CB8AC3E}">
+        <p14:creationId xmlns:p14="http://schemas.microsoft.com/office/powerpoint/2010/main" val="3320036085"/>
       </p:ext>
     </p:extLst>
   </p:cSld>
